--- a/assignments/deconstruct-figure-set/Deconstruction_of_sciencepaper_brianmapes.pptx
+++ b/assignments/deconstruct-figure-set/Deconstruction_of_sciencepaper_brianmapes.pptx
@@ -1,6 +1,6 @@
 
 <file path=ppt/presentation.xml><?xml version="1.0" encoding="utf-8"?>
-<p:presentation xmlns:a="http://schemas.openxmlformats.org/drawingml/2006/main" xmlns:r="http://schemas.openxmlformats.org/officeDocument/2006/relationships" xmlns:mc="http://schemas.openxmlformats.org/markup-compatibility/2006" xmlns:mv="urn:schemas-microsoft-com:mac:vml" xmlns:p="http://schemas.openxmlformats.org/presentationml/2006/main" mc:Ignorable="mv" mc:PreserveAttributes="mv:*" saveSubsetFonts="1" autoCompressPictures="0">
+<p:presentation xmlns:a="http://schemas.openxmlformats.org/drawingml/2006/main" xmlns:r="http://schemas.openxmlformats.org/officeDocument/2006/relationships" xmlns:p="http://schemas.openxmlformats.org/presentationml/2006/main" saveSubsetFonts="1" autoCompressPictures="0">
   <p:sldMasterIdLst>
     <p:sldMasterId id="2147483648" r:id="rId1"/>
   </p:sldMasterIdLst>
@@ -117,7 +117,7 @@
 </file>
 
 <file path=ppt/slideLayouts/slideLayout1.xml><?xml version="1.0" encoding="utf-8"?>
-<p:sldLayout xmlns:a="http://schemas.openxmlformats.org/drawingml/2006/main" xmlns:r="http://schemas.openxmlformats.org/officeDocument/2006/relationships" xmlns:mc="http://schemas.openxmlformats.org/markup-compatibility/2006" xmlns:mv="urn:schemas-microsoft-com:mac:vml" xmlns:p="http://schemas.openxmlformats.org/presentationml/2006/main" mc:Ignorable="mv" mc:PreserveAttributes="mv:*" type="title" preserve="1">
+<p:sldLayout xmlns:a="http://schemas.openxmlformats.org/drawingml/2006/main" xmlns:r="http://schemas.openxmlformats.org/officeDocument/2006/relationships" xmlns:p="http://schemas.openxmlformats.org/presentationml/2006/main" type="title" preserve="1">
   <p:cSld name="Title Slide">
     <p:spTree>
       <p:nvGrpSpPr>
@@ -298,7 +298,7 @@
             <a:fld id="{98F69910-945E-EC43-981A-A63F0A583EEC}" type="datetimeFigureOut">
               <a:rPr lang="en-US" smtClean="0"/>
               <a:pPr/>
-              <a:t>1/22/18</a:t>
+              <a:t>1/23/18</a:t>
             </a:fld>
             <a:endParaRPr lang="en-US"/>
           </a:p>
@@ -356,7 +356,7 @@
 </file>
 
 <file path=ppt/slideLayouts/slideLayout10.xml><?xml version="1.0" encoding="utf-8"?>
-<p:sldLayout xmlns:a="http://schemas.openxmlformats.org/drawingml/2006/main" xmlns:r="http://schemas.openxmlformats.org/officeDocument/2006/relationships" xmlns:mc="http://schemas.openxmlformats.org/markup-compatibility/2006" xmlns:mv="urn:schemas-microsoft-com:mac:vml" xmlns:p="http://schemas.openxmlformats.org/presentationml/2006/main" mc:Ignorable="mv" mc:PreserveAttributes="mv:*" type="vertTx" preserve="1">
+<p:sldLayout xmlns:a="http://schemas.openxmlformats.org/drawingml/2006/main" xmlns:r="http://schemas.openxmlformats.org/officeDocument/2006/relationships" xmlns:p="http://schemas.openxmlformats.org/presentationml/2006/main" type="vertTx" preserve="1">
   <p:cSld name="Title and Vertical Text">
     <p:spTree>
       <p:nvGrpSpPr>
@@ -465,7 +465,7 @@
             <a:fld id="{98F69910-945E-EC43-981A-A63F0A583EEC}" type="datetimeFigureOut">
               <a:rPr lang="en-US" smtClean="0"/>
               <a:pPr/>
-              <a:t>1/22/18</a:t>
+              <a:t>1/23/18</a:t>
             </a:fld>
             <a:endParaRPr lang="en-US"/>
           </a:p>
@@ -523,7 +523,7 @@
 </file>
 
 <file path=ppt/slideLayouts/slideLayout11.xml><?xml version="1.0" encoding="utf-8"?>
-<p:sldLayout xmlns:a="http://schemas.openxmlformats.org/drawingml/2006/main" xmlns:r="http://schemas.openxmlformats.org/officeDocument/2006/relationships" xmlns:mc="http://schemas.openxmlformats.org/markup-compatibility/2006" xmlns:mv="urn:schemas-microsoft-com:mac:vml" xmlns:p="http://schemas.openxmlformats.org/presentationml/2006/main" mc:Ignorable="mv" mc:PreserveAttributes="mv:*" type="vertTitleAndTx" preserve="1">
+<p:sldLayout xmlns:a="http://schemas.openxmlformats.org/drawingml/2006/main" xmlns:r="http://schemas.openxmlformats.org/officeDocument/2006/relationships" xmlns:p="http://schemas.openxmlformats.org/presentationml/2006/main" type="vertTitleAndTx" preserve="1">
   <p:cSld name="Vertical Title and Text">
     <p:spTree>
       <p:nvGrpSpPr>
@@ -642,7 +642,7 @@
             <a:fld id="{98F69910-945E-EC43-981A-A63F0A583EEC}" type="datetimeFigureOut">
               <a:rPr lang="en-US" smtClean="0"/>
               <a:pPr/>
-              <a:t>1/22/18</a:t>
+              <a:t>1/23/18</a:t>
             </a:fld>
             <a:endParaRPr lang="en-US"/>
           </a:p>
@@ -700,7 +700,7 @@
 </file>
 
 <file path=ppt/slideLayouts/slideLayout2.xml><?xml version="1.0" encoding="utf-8"?>
-<p:sldLayout xmlns:a="http://schemas.openxmlformats.org/drawingml/2006/main" xmlns:r="http://schemas.openxmlformats.org/officeDocument/2006/relationships" xmlns:mc="http://schemas.openxmlformats.org/markup-compatibility/2006" xmlns:mv="urn:schemas-microsoft-com:mac:vml" xmlns:p="http://schemas.openxmlformats.org/presentationml/2006/main" mc:Ignorable="mv" mc:PreserveAttributes="mv:*" type="obj" preserve="1">
+<p:sldLayout xmlns:a="http://schemas.openxmlformats.org/drawingml/2006/main" xmlns:r="http://schemas.openxmlformats.org/officeDocument/2006/relationships" xmlns:p="http://schemas.openxmlformats.org/presentationml/2006/main" type="obj" preserve="1">
   <p:cSld name="Title and Content">
     <p:spTree>
       <p:nvGrpSpPr>
@@ -809,7 +809,7 @@
             <a:fld id="{98F69910-945E-EC43-981A-A63F0A583EEC}" type="datetimeFigureOut">
               <a:rPr lang="en-US" smtClean="0"/>
               <a:pPr/>
-              <a:t>1/22/18</a:t>
+              <a:t>1/23/18</a:t>
             </a:fld>
             <a:endParaRPr lang="en-US"/>
           </a:p>
@@ -867,7 +867,7 @@
 </file>
 
 <file path=ppt/slideLayouts/slideLayout3.xml><?xml version="1.0" encoding="utf-8"?>
-<p:sldLayout xmlns:a="http://schemas.openxmlformats.org/drawingml/2006/main" xmlns:r="http://schemas.openxmlformats.org/officeDocument/2006/relationships" xmlns:mc="http://schemas.openxmlformats.org/markup-compatibility/2006" xmlns:mv="urn:schemas-microsoft-com:mac:vml" xmlns:p="http://schemas.openxmlformats.org/presentationml/2006/main" mc:Ignorable="mv" mc:PreserveAttributes="mv:*" type="secHead" preserve="1">
+<p:sldLayout xmlns:a="http://schemas.openxmlformats.org/drawingml/2006/main" xmlns:r="http://schemas.openxmlformats.org/officeDocument/2006/relationships" xmlns:p="http://schemas.openxmlformats.org/presentationml/2006/main" type="secHead" preserve="1">
   <p:cSld name="Section Header">
     <p:spTree>
       <p:nvGrpSpPr>
@@ -1052,7 +1052,7 @@
             <a:fld id="{98F69910-945E-EC43-981A-A63F0A583EEC}" type="datetimeFigureOut">
               <a:rPr lang="en-US" smtClean="0"/>
               <a:pPr/>
-              <a:t>1/22/18</a:t>
+              <a:t>1/23/18</a:t>
             </a:fld>
             <a:endParaRPr lang="en-US"/>
           </a:p>
@@ -1110,7 +1110,7 @@
 </file>
 
 <file path=ppt/slideLayouts/slideLayout4.xml><?xml version="1.0" encoding="utf-8"?>
-<p:sldLayout xmlns:a="http://schemas.openxmlformats.org/drawingml/2006/main" xmlns:r="http://schemas.openxmlformats.org/officeDocument/2006/relationships" xmlns:mc="http://schemas.openxmlformats.org/markup-compatibility/2006" xmlns:mv="urn:schemas-microsoft-com:mac:vml" xmlns:p="http://schemas.openxmlformats.org/presentationml/2006/main" mc:Ignorable="mv" mc:PreserveAttributes="mv:*" type="twoObj" preserve="1">
+<p:sldLayout xmlns:a="http://schemas.openxmlformats.org/drawingml/2006/main" xmlns:r="http://schemas.openxmlformats.org/officeDocument/2006/relationships" xmlns:p="http://schemas.openxmlformats.org/presentationml/2006/main" type="twoObj" preserve="1">
   <p:cSld name="Two Content">
     <p:spTree>
       <p:nvGrpSpPr>
@@ -1337,7 +1337,7 @@
             <a:fld id="{98F69910-945E-EC43-981A-A63F0A583EEC}" type="datetimeFigureOut">
               <a:rPr lang="en-US" smtClean="0"/>
               <a:pPr/>
-              <a:t>1/22/18</a:t>
+              <a:t>1/23/18</a:t>
             </a:fld>
             <a:endParaRPr lang="en-US"/>
           </a:p>
@@ -1395,7 +1395,7 @@
 </file>
 
 <file path=ppt/slideLayouts/slideLayout5.xml><?xml version="1.0" encoding="utf-8"?>
-<p:sldLayout xmlns:a="http://schemas.openxmlformats.org/drawingml/2006/main" xmlns:r="http://schemas.openxmlformats.org/officeDocument/2006/relationships" xmlns:mc="http://schemas.openxmlformats.org/markup-compatibility/2006" xmlns:mv="urn:schemas-microsoft-com:mac:vml" xmlns:p="http://schemas.openxmlformats.org/presentationml/2006/main" mc:Ignorable="mv" mc:PreserveAttributes="mv:*" type="twoTxTwoObj" preserve="1">
+<p:sldLayout xmlns:a="http://schemas.openxmlformats.org/drawingml/2006/main" xmlns:r="http://schemas.openxmlformats.org/officeDocument/2006/relationships" xmlns:p="http://schemas.openxmlformats.org/presentationml/2006/main" type="twoTxTwoObj" preserve="1">
   <p:cSld name="Comparison">
     <p:spTree>
       <p:nvGrpSpPr>
@@ -1756,7 +1756,7 @@
             <a:fld id="{98F69910-945E-EC43-981A-A63F0A583EEC}" type="datetimeFigureOut">
               <a:rPr lang="en-US" smtClean="0"/>
               <a:pPr/>
-              <a:t>1/22/18</a:t>
+              <a:t>1/23/18</a:t>
             </a:fld>
             <a:endParaRPr lang="en-US"/>
           </a:p>
@@ -1814,7 +1814,7 @@
 </file>
 
 <file path=ppt/slideLayouts/slideLayout6.xml><?xml version="1.0" encoding="utf-8"?>
-<p:sldLayout xmlns:a="http://schemas.openxmlformats.org/drawingml/2006/main" xmlns:r="http://schemas.openxmlformats.org/officeDocument/2006/relationships" xmlns:mc="http://schemas.openxmlformats.org/markup-compatibility/2006" xmlns:mv="urn:schemas-microsoft-com:mac:vml" xmlns:p="http://schemas.openxmlformats.org/presentationml/2006/main" mc:Ignorable="mv" mc:PreserveAttributes="mv:*" type="titleOnly" preserve="1">
+<p:sldLayout xmlns:a="http://schemas.openxmlformats.org/drawingml/2006/main" xmlns:r="http://schemas.openxmlformats.org/officeDocument/2006/relationships" xmlns:p="http://schemas.openxmlformats.org/presentationml/2006/main" type="titleOnly" preserve="1">
   <p:cSld name="Title Only">
     <p:spTree>
       <p:nvGrpSpPr>
@@ -1871,7 +1871,7 @@
             <a:fld id="{98F69910-945E-EC43-981A-A63F0A583EEC}" type="datetimeFigureOut">
               <a:rPr lang="en-US" smtClean="0"/>
               <a:pPr/>
-              <a:t>1/22/18</a:t>
+              <a:t>1/23/18</a:t>
             </a:fld>
             <a:endParaRPr lang="en-US"/>
           </a:p>
@@ -1929,7 +1929,7 @@
 </file>
 
 <file path=ppt/slideLayouts/slideLayout7.xml><?xml version="1.0" encoding="utf-8"?>
-<p:sldLayout xmlns:a="http://schemas.openxmlformats.org/drawingml/2006/main" xmlns:r="http://schemas.openxmlformats.org/officeDocument/2006/relationships" xmlns:mc="http://schemas.openxmlformats.org/markup-compatibility/2006" xmlns:mv="urn:schemas-microsoft-com:mac:vml" xmlns:p="http://schemas.openxmlformats.org/presentationml/2006/main" mc:Ignorable="mv" mc:PreserveAttributes="mv:*" type="blank" preserve="1">
+<p:sldLayout xmlns:a="http://schemas.openxmlformats.org/drawingml/2006/main" xmlns:r="http://schemas.openxmlformats.org/officeDocument/2006/relationships" xmlns:p="http://schemas.openxmlformats.org/presentationml/2006/main" type="blank" preserve="1">
   <p:cSld name="Blank">
     <p:spTree>
       <p:nvGrpSpPr>
@@ -1963,7 +1963,7 @@
             <a:fld id="{98F69910-945E-EC43-981A-A63F0A583EEC}" type="datetimeFigureOut">
               <a:rPr lang="en-US" smtClean="0"/>
               <a:pPr/>
-              <a:t>1/22/18</a:t>
+              <a:t>1/23/18</a:t>
             </a:fld>
             <a:endParaRPr lang="en-US"/>
           </a:p>
@@ -2021,7 +2021,7 @@
 </file>
 
 <file path=ppt/slideLayouts/slideLayout8.xml><?xml version="1.0" encoding="utf-8"?>
-<p:sldLayout xmlns:a="http://schemas.openxmlformats.org/drawingml/2006/main" xmlns:r="http://schemas.openxmlformats.org/officeDocument/2006/relationships" xmlns:mc="http://schemas.openxmlformats.org/markup-compatibility/2006" xmlns:mv="urn:schemas-microsoft-com:mac:vml" xmlns:p="http://schemas.openxmlformats.org/presentationml/2006/main" mc:Ignorable="mv" mc:PreserveAttributes="mv:*" type="objTx" preserve="1">
+<p:sldLayout xmlns:a="http://schemas.openxmlformats.org/drawingml/2006/main" xmlns:r="http://schemas.openxmlformats.org/officeDocument/2006/relationships" xmlns:p="http://schemas.openxmlformats.org/presentationml/2006/main" type="objTx" preserve="1">
   <p:cSld name="Content with Caption">
     <p:spTree>
       <p:nvGrpSpPr>
@@ -2237,7 +2237,7 @@
             <a:fld id="{98F69910-945E-EC43-981A-A63F0A583EEC}" type="datetimeFigureOut">
               <a:rPr lang="en-US" smtClean="0"/>
               <a:pPr/>
-              <a:t>1/22/18</a:t>
+              <a:t>1/23/18</a:t>
             </a:fld>
             <a:endParaRPr lang="en-US"/>
           </a:p>
@@ -2295,7 +2295,7 @@
 </file>
 
 <file path=ppt/slideLayouts/slideLayout9.xml><?xml version="1.0" encoding="utf-8"?>
-<p:sldLayout xmlns:a="http://schemas.openxmlformats.org/drawingml/2006/main" xmlns:r="http://schemas.openxmlformats.org/officeDocument/2006/relationships" xmlns:mc="http://schemas.openxmlformats.org/markup-compatibility/2006" xmlns:mv="urn:schemas-microsoft-com:mac:vml" xmlns:p="http://schemas.openxmlformats.org/presentationml/2006/main" mc:Ignorable="mv" mc:PreserveAttributes="mv:*" type="picTx" preserve="1">
+<p:sldLayout xmlns:a="http://schemas.openxmlformats.org/drawingml/2006/main" xmlns:r="http://schemas.openxmlformats.org/officeDocument/2006/relationships" xmlns:p="http://schemas.openxmlformats.org/presentationml/2006/main" type="picTx" preserve="1">
   <p:cSld name="Picture with Caption">
     <p:spTree>
       <p:nvGrpSpPr>
@@ -2487,7 +2487,7 @@
             <a:fld id="{98F69910-945E-EC43-981A-A63F0A583EEC}" type="datetimeFigureOut">
               <a:rPr lang="en-US" smtClean="0"/>
               <a:pPr/>
-              <a:t>1/22/18</a:t>
+              <a:t>1/23/18</a:t>
             </a:fld>
             <a:endParaRPr lang="en-US"/>
           </a:p>
@@ -2545,7 +2545,7 @@
 </file>
 
 <file path=ppt/slideMasters/slideMaster1.xml><?xml version="1.0" encoding="utf-8"?>
-<p:sldMaster xmlns:a="http://schemas.openxmlformats.org/drawingml/2006/main" xmlns:r="http://schemas.openxmlformats.org/officeDocument/2006/relationships" xmlns:mc="http://schemas.openxmlformats.org/markup-compatibility/2006" xmlns:mv="urn:schemas-microsoft-com:mac:vml" xmlns:p="http://schemas.openxmlformats.org/presentationml/2006/main" mc:Ignorable="mv" mc:PreserveAttributes="mv:*">
+<p:sldMaster xmlns:a="http://schemas.openxmlformats.org/drawingml/2006/main" xmlns:r="http://schemas.openxmlformats.org/officeDocument/2006/relationships" xmlns:p="http://schemas.openxmlformats.org/presentationml/2006/main">
   <p:cSld>
     <p:bg>
       <p:bgRef idx="1001">
@@ -2697,7 +2697,7 @@
             <a:fld id="{98F69910-945E-EC43-981A-A63F0A583EEC}" type="datetimeFigureOut">
               <a:rPr lang="en-US" smtClean="0"/>
               <a:pPr/>
-              <a:t>1/22/18</a:t>
+              <a:t>1/23/18</a:t>
             </a:fld>
             <a:endParaRPr lang="en-US"/>
           </a:p>
@@ -3052,7 +3052,7 @@
 </file>
 
 <file path=ppt/slides/slide1.xml><?xml version="1.0" encoding="utf-8"?>
-<p:sld xmlns:a="http://schemas.openxmlformats.org/drawingml/2006/main" xmlns:r="http://schemas.openxmlformats.org/officeDocument/2006/relationships" xmlns:mc="http://schemas.openxmlformats.org/markup-compatibility/2006" xmlns:mv="urn:schemas-microsoft-com:mac:vml" xmlns:p="http://schemas.openxmlformats.org/presentationml/2006/main" mc:Ignorable="mv" mc:PreserveAttributes="mv:*">
+<p:sld xmlns:a="http://schemas.openxmlformats.org/drawingml/2006/main" xmlns:r="http://schemas.openxmlformats.org/officeDocument/2006/relationships" xmlns:p="http://schemas.openxmlformats.org/presentationml/2006/main">
   <p:cSld>
     <p:spTree>
       <p:nvGrpSpPr>
@@ -3118,8 +3118,12 @@
           </a:p>
           <a:p>
             <a:r>
+              <a:rPr lang="en-US" smtClean="0"/>
+              <a:t>MPO/ATM </a:t>
+            </a:r>
+            <a:r>
               <a:rPr lang="en-US" dirty="0" smtClean="0"/>
-              <a:t>MPO 624</a:t>
+              <a:t>624</a:t>
             </a:r>
           </a:p>
           <a:p>
@@ -3140,7 +3144,7 @@
 </file>
 
 <file path=ppt/slides/slide10.xml><?xml version="1.0" encoding="utf-8"?>
-<p:sld xmlns:a="http://schemas.openxmlformats.org/drawingml/2006/main" xmlns:r="http://schemas.openxmlformats.org/officeDocument/2006/relationships" xmlns:mc="http://schemas.openxmlformats.org/markup-compatibility/2006" xmlns:mv="urn:schemas-microsoft-com:mac:vml" xmlns:p="http://schemas.openxmlformats.org/presentationml/2006/main" mc:Ignorable="mv" mc:PreserveAttributes="mv:*">
+<p:sld xmlns:a="http://schemas.openxmlformats.org/drawingml/2006/main" xmlns:r="http://schemas.openxmlformats.org/officeDocument/2006/relationships" xmlns:p="http://schemas.openxmlformats.org/presentationml/2006/main">
   <p:cSld>
     <p:spTree>
       <p:nvGrpSpPr>
@@ -3387,7 +3391,7 @@
 </file>
 
 <file path=ppt/slides/slide2.xml><?xml version="1.0" encoding="utf-8"?>
-<p:sld xmlns:a="http://schemas.openxmlformats.org/drawingml/2006/main" xmlns:r="http://schemas.openxmlformats.org/officeDocument/2006/relationships" xmlns:mc="http://schemas.openxmlformats.org/markup-compatibility/2006" xmlns:mv="urn:schemas-microsoft-com:mac:vml" xmlns:p="http://schemas.openxmlformats.org/presentationml/2006/main" mc:Ignorable="mv" mc:PreserveAttributes="mv:*">
+<p:sld xmlns:a="http://schemas.openxmlformats.org/drawingml/2006/main" xmlns:r="http://schemas.openxmlformats.org/officeDocument/2006/relationships" xmlns:p="http://schemas.openxmlformats.org/presentationml/2006/main">
   <p:cSld>
     <p:spTree>
       <p:nvGrpSpPr>
@@ -3449,7 +3453,6 @@
               <a:rPr lang="en-US" dirty="0" smtClean="0"/>
               <a:t>Title, citation</a:t>
             </a:r>
-            <a:endParaRPr lang="en-US" dirty="0" smtClean="0"/>
           </a:p>
           <a:p>
             <a:pPr lvl="3"/>
@@ -3463,11 +3466,7 @@
             </a:r>
             <a:r>
               <a:rPr lang="en-US" dirty="0" smtClean="0"/>
-              <a:t> Jet- stream Using Granger and Pearl Causality</a:t>
-            </a:r>
-            <a:r>
-              <a:rPr lang="en-US" dirty="0" smtClean="0"/>
-              <a:t> </a:t>
+              <a:t> Jet- stream Using Granger and Pearl Causality </a:t>
             </a:r>
           </a:p>
           <a:p>
@@ -3526,33 +3525,19 @@
               <a:rPr lang="en-US" dirty="0" smtClean="0"/>
               <a:t>Size of evidence set: </a:t>
             </a:r>
-            <a:endParaRPr lang="en-US" dirty="0" smtClean="0"/>
           </a:p>
           <a:p>
             <a:pPr lvl="1"/>
             <a:r>
               <a:rPr lang="en-US" dirty="0" smtClean="0"/>
-              <a:t>4</a:t>
-            </a:r>
+              <a:t>4 figures (plus 2 in supplement), 0 tables</a:t>
+            </a:r>
+          </a:p>
+          <a:p>
+            <a:pPr lvl="1"/>
             <a:r>
               <a:rPr lang="en-US" dirty="0" smtClean="0"/>
-              <a:t> figures (plus 2 in supplement), 0 tables</a:t>
-            </a:r>
-            <a:endParaRPr lang="en-US" dirty="0" smtClean="0"/>
-          </a:p>
-          <a:p>
-            <a:pPr lvl="1"/>
-            <a:r>
-              <a:rPr lang="en-US" dirty="0" smtClean="0"/>
-              <a:t>?</a:t>
-            </a:r>
-            <a:r>
-              <a:rPr lang="en-US" dirty="0" smtClean="0"/>
-              <a:t> </a:t>
-            </a:r>
-            <a:r>
-              <a:rPr lang="en-US" dirty="0" smtClean="0"/>
-              <a:t>magic-number (in-text) results</a:t>
+              <a:t>? magic-number (in-text) results</a:t>
             </a:r>
           </a:p>
           <a:p>
@@ -3569,7 +3554,7 @@
 </file>
 
 <file path=ppt/slides/slide3.xml><?xml version="1.0" encoding="utf-8"?>
-<p:sld xmlns:a="http://schemas.openxmlformats.org/drawingml/2006/main" xmlns:r="http://schemas.openxmlformats.org/officeDocument/2006/relationships" xmlns:mc="http://schemas.openxmlformats.org/markup-compatibility/2006" xmlns:mv="urn:schemas-microsoft-com:mac:vml" xmlns:p="http://schemas.openxmlformats.org/presentationml/2006/main" mc:Ignorable="mv" mc:PreserveAttributes="mv:*">
+<p:sld xmlns:a="http://schemas.openxmlformats.org/drawingml/2006/main" xmlns:r="http://schemas.openxmlformats.org/officeDocument/2006/relationships" xmlns:p="http://schemas.openxmlformats.org/presentationml/2006/main">
   <p:cSld>
     <p:spTree>
       <p:nvGrpSpPr>
@@ -3698,27 +3683,7 @@
             </a:pPr>
             <a:r>
               <a:rPr lang="en-US" dirty="0" smtClean="0"/>
-              <a:t>Finally,</a:t>
-            </a:r>
-            <a:r>
-              <a:rPr lang="en-US" dirty="0" smtClean="0"/>
-              <a:t> paste the </a:t>
-            </a:r>
-            <a:r>
-              <a:rPr lang="en-US" dirty="0" smtClean="0"/>
-              <a:t>Abstract on a last </a:t>
-            </a:r>
-            <a:r>
-              <a:rPr lang="en-US" dirty="0" smtClean="0"/>
-              <a:t>slide here. </a:t>
-            </a:r>
-            <a:r>
-              <a:rPr lang="en-US" dirty="0" smtClean="0"/>
-              <a:t>Annotate it with little figure thumbnails connected to each claim or account of nature, to show how those are rooted in the figures (and thus in data).</a:t>
-            </a:r>
-            <a:r>
-              <a:rPr lang="en-US" dirty="0" smtClean="0"/>
-              <a:t> </a:t>
+              <a:t>Finally, paste the Abstract on a last slide here. Annotate it with little figure thumbnails connected to each claim or account of nature, to show how those are rooted in the figures (and thus in data). </a:t>
             </a:r>
           </a:p>
           <a:p>
@@ -3743,17 +3708,8 @@
             </a:r>
             <a:r>
               <a:rPr lang="en-US" dirty="0" smtClean="0"/>
-              <a:t> in your fork of the class repo,</a:t>
-            </a:r>
-            <a:r>
-              <a:rPr lang="en-US" dirty="0" smtClean="0"/>
-              <a:t> </a:t>
-            </a:r>
-            <a:r>
-              <a:rPr lang="en-US" dirty="0" smtClean="0"/>
-              <a:t>sync with your Web fork, and make a Pull Request!</a:t>
-            </a:r>
-            <a:endParaRPr lang="en-US" dirty="0" smtClean="0"/>
+              <a:t> in your fork of the class repo, sync with your Web fork, and make a Pull Request!</a:t>
+            </a:r>
           </a:p>
         </p:txBody>
       </p:sp>
@@ -3766,7 +3722,7 @@
 </file>
 
 <file path=ppt/slides/slide4.xml><?xml version="1.0" encoding="utf-8"?>
-<p:sld xmlns:a="http://schemas.openxmlformats.org/drawingml/2006/main" xmlns:r="http://schemas.openxmlformats.org/officeDocument/2006/relationships" xmlns:mc="http://schemas.openxmlformats.org/markup-compatibility/2006" xmlns:mv="urn:schemas-microsoft-com:mac:vml" xmlns:p="http://schemas.openxmlformats.org/presentationml/2006/main" mc:Ignorable="mv" mc:PreserveAttributes="mv:*">
+<p:sld xmlns:a="http://schemas.openxmlformats.org/drawingml/2006/main" xmlns:r="http://schemas.openxmlformats.org/officeDocument/2006/relationships" xmlns:p="http://schemas.openxmlformats.org/presentationml/2006/main">
   <p:cSld>
     <p:spTree>
       <p:nvGrpSpPr>
@@ -3823,15 +3779,7 @@
           <a:p>
             <a:r>
               <a:rPr lang="en-US" dirty="0" smtClean="0"/>
-              <a:t>Figure</a:t>
-            </a:r>
-            <a:r>
-              <a:rPr lang="en-US" dirty="0" smtClean="0"/>
-              <a:t> </a:t>
-            </a:r>
-            <a:r>
-              <a:rPr lang="en-US" dirty="0" smtClean="0"/>
-              <a:t>1</a:t>
+              <a:t>Figure 1</a:t>
             </a:r>
             <a:endParaRPr lang="en-US" dirty="0"/>
           </a:p>
@@ -3880,23 +3828,7 @@
                   <a:srgbClr val="FF0000"/>
                 </a:solidFill>
               </a:rPr>
-              <a:t>a DJF mean is a statistic, </a:t>
-            </a:r>
-            <a:r>
-              <a:rPr lang="en-US" dirty="0" smtClean="0">
-                <a:solidFill>
-                  <a:srgbClr val="FF0000"/>
-                </a:solidFill>
-              </a:rPr>
-              <a:t>a form of </a:t>
-            </a:r>
-            <a:r>
-              <a:rPr lang="en-US" dirty="0" smtClean="0">
-                <a:solidFill>
-                  <a:srgbClr val="FF0000"/>
-                </a:solidFill>
-              </a:rPr>
-              <a:t>summary</a:t>
+              <a:t>a DJF mean is a statistic, a form of summary</a:t>
             </a:r>
           </a:p>
           <a:p>
@@ -3917,7 +3849,7 @@
 </file>
 
 <file path=ppt/slides/slide5.xml><?xml version="1.0" encoding="utf-8"?>
-<p:sld xmlns:a="http://schemas.openxmlformats.org/drawingml/2006/main" xmlns:r="http://schemas.openxmlformats.org/officeDocument/2006/relationships" xmlns:mc="http://schemas.openxmlformats.org/markup-compatibility/2006" xmlns:mv="urn:schemas-microsoft-com:mac:vml" xmlns:p="http://schemas.openxmlformats.org/presentationml/2006/main" mc:Ignorable="mv" mc:PreserveAttributes="mv:*">
+<p:sld xmlns:a="http://schemas.openxmlformats.org/drawingml/2006/main" xmlns:r="http://schemas.openxmlformats.org/officeDocument/2006/relationships" xmlns:p="http://schemas.openxmlformats.org/presentationml/2006/main">
   <p:cSld>
     <p:spTree>
       <p:nvGrpSpPr>
@@ -3979,11 +3911,7 @@
           <a:p>
             <a:r>
               <a:rPr lang="en-US" dirty="0" smtClean="0"/>
-              <a:t>Figs </a:t>
-            </a:r>
-            <a:r>
-              <a:rPr lang="en-US" dirty="0" smtClean="0"/>
-              <a:t>2,3</a:t>
+              <a:t>Figs 2,3</a:t>
             </a:r>
             <a:endParaRPr lang="en-US" dirty="0"/>
           </a:p>
@@ -4011,11 +3939,7 @@
           <a:p>
             <a:r>
               <a:rPr lang="en-US" dirty="0" smtClean="0"/>
-              <a:t>This figure is</a:t>
-            </a:r>
-            <a:r>
-              <a:rPr lang="en-US" dirty="0" smtClean="0"/>
-              <a:t> a claim of </a:t>
+              <a:t>This figure is a claim of </a:t>
             </a:r>
             <a:r>
               <a:rPr lang="en-US" dirty="0" err="1" smtClean="0"/>
@@ -4058,7 +3982,7 @@
 </file>
 
 <file path=ppt/slides/slide6.xml><?xml version="1.0" encoding="utf-8"?>
-<p:sld xmlns:a="http://schemas.openxmlformats.org/drawingml/2006/main" xmlns:r="http://schemas.openxmlformats.org/officeDocument/2006/relationships" xmlns:mc="http://schemas.openxmlformats.org/markup-compatibility/2006" xmlns:mv="urn:schemas-microsoft-com:mac:vml" xmlns:p="http://schemas.openxmlformats.org/presentationml/2006/main" mc:Ignorable="mv" mc:PreserveAttributes="mv:*">
+<p:sld xmlns:a="http://schemas.openxmlformats.org/drawingml/2006/main" xmlns:r="http://schemas.openxmlformats.org/officeDocument/2006/relationships" xmlns:p="http://schemas.openxmlformats.org/presentationml/2006/main">
   <p:cSld>
     <p:spTree>
       <p:nvGrpSpPr>
@@ -4121,11 +4045,7 @@
           <a:p>
             <a:r>
               <a:rPr lang="en-US" dirty="0" smtClean="0"/>
-              <a:t>Figs </a:t>
-            </a:r>
-            <a:r>
-              <a:rPr lang="en-US" dirty="0" smtClean="0"/>
-              <a:t>2,3</a:t>
+              <a:t>Figs 2,3</a:t>
             </a:r>
             <a:endParaRPr lang="en-US" dirty="0"/>
           </a:p>
@@ -4155,11 +4075,7 @@
           <a:p>
             <a:r>
               <a:rPr lang="en-US" dirty="0" smtClean="0"/>
-              <a:t>This figure is</a:t>
-            </a:r>
-            <a:r>
-              <a:rPr lang="en-US" dirty="0" smtClean="0"/>
-              <a:t> a claim of </a:t>
+              <a:t>This figure is a claim of </a:t>
             </a:r>
             <a:r>
               <a:rPr lang="en-US" dirty="0" err="1" smtClean="0"/>
@@ -4202,7 +4118,7 @@
 </file>
 
 <file path=ppt/slides/slide7.xml><?xml version="1.0" encoding="utf-8"?>
-<p:sld xmlns:a="http://schemas.openxmlformats.org/drawingml/2006/main" xmlns:r="http://schemas.openxmlformats.org/officeDocument/2006/relationships" xmlns:mc="http://schemas.openxmlformats.org/markup-compatibility/2006" xmlns:mv="urn:schemas-microsoft-com:mac:vml" xmlns:p="http://schemas.openxmlformats.org/presentationml/2006/main" mc:Ignorable="mv" mc:PreserveAttributes="mv:*">
+<p:sld xmlns:a="http://schemas.openxmlformats.org/drawingml/2006/main" xmlns:r="http://schemas.openxmlformats.org/officeDocument/2006/relationships" xmlns:p="http://schemas.openxmlformats.org/presentationml/2006/main">
   <p:cSld>
     <p:spTree>
       <p:nvGrpSpPr>
@@ -4294,11 +4210,7 @@
           <a:p>
             <a:r>
               <a:rPr lang="en-US" dirty="0" smtClean="0"/>
-              <a:t>This figure is</a:t>
-            </a:r>
-            <a:r>
-              <a:rPr lang="en-US" dirty="0" smtClean="0"/>
-              <a:t> a schematic </a:t>
+              <a:t>This figure is a schematic </a:t>
             </a:r>
             <a:endParaRPr lang="en-US" dirty="0" smtClean="0">
               <a:solidFill>
@@ -4333,7 +4245,7 @@
 </file>
 
 <file path=ppt/slides/slide8.xml><?xml version="1.0" encoding="utf-8"?>
-<p:sld xmlns:a="http://schemas.openxmlformats.org/drawingml/2006/main" xmlns:r="http://schemas.openxmlformats.org/officeDocument/2006/relationships" xmlns:mc="http://schemas.openxmlformats.org/markup-compatibility/2006" xmlns:mv="urn:schemas-microsoft-com:mac:vml" xmlns:p="http://schemas.openxmlformats.org/presentationml/2006/main" mc:Ignorable="mv" mc:PreserveAttributes="mv:*">
+<p:sld xmlns:a="http://schemas.openxmlformats.org/drawingml/2006/main" xmlns:r="http://schemas.openxmlformats.org/officeDocument/2006/relationships" xmlns:p="http://schemas.openxmlformats.org/presentationml/2006/main">
   <p:cSld>
     <p:spTree>
       <p:nvGrpSpPr>
@@ -4395,11 +4307,7 @@
           <a:p>
             <a:r>
               <a:rPr lang="en-US" dirty="0" smtClean="0"/>
-              <a:t>Figure</a:t>
-            </a:r>
-            <a:r>
-              <a:rPr lang="en-US" dirty="0" smtClean="0"/>
-              <a:t> S1</a:t>
+              <a:t>Figure S1</a:t>
             </a:r>
             <a:endParaRPr lang="en-US" dirty="0"/>
           </a:p>
@@ -4427,11 +4335,7 @@
           <a:p>
             <a:r>
               <a:rPr lang="en-US" dirty="0" smtClean="0"/>
-              <a:t>This figure</a:t>
-            </a:r>
-            <a:r>
-              <a:rPr lang="en-US" dirty="0" smtClean="0"/>
-              <a:t> </a:t>
+              <a:t>This figure </a:t>
             </a:r>
             <a:r>
               <a:rPr lang="en-US" i="1" dirty="0" smtClean="0"/>
@@ -4473,7 +4377,7 @@
 </file>
 
 <file path=ppt/slides/slide9.xml><?xml version="1.0" encoding="utf-8"?>
-<p:sld xmlns:a="http://schemas.openxmlformats.org/drawingml/2006/main" xmlns:r="http://schemas.openxmlformats.org/officeDocument/2006/relationships" xmlns:mc="http://schemas.openxmlformats.org/markup-compatibility/2006" xmlns:mv="urn:schemas-microsoft-com:mac:vml" xmlns:p="http://schemas.openxmlformats.org/presentationml/2006/main" mc:Ignorable="mv" mc:PreserveAttributes="mv:*">
+<p:sld xmlns:a="http://schemas.openxmlformats.org/drawingml/2006/main" xmlns:r="http://schemas.openxmlformats.org/officeDocument/2006/relationships" xmlns:p="http://schemas.openxmlformats.org/presentationml/2006/main">
   <p:cSld>
     <p:spTree>
       <p:nvGrpSpPr>
@@ -4541,11 +4445,7 @@
           <a:p>
             <a:r>
               <a:rPr lang="en-US" dirty="0" smtClean="0"/>
-              <a:t>This </a:t>
-            </a:r>
-            <a:r>
-              <a:rPr lang="en-US" dirty="0" smtClean="0"/>
-              <a:t>figure claims a feature (flatness between green and blue lines), justifying truncation (simplification) choices in a statistical modeling exercise.</a:t>
+              <a:t>This figure claims a feature (flatness between green and blue lines), justifying truncation (simplification) choices in a statistical modeling exercise.</a:t>
             </a:r>
             <a:endParaRPr lang="en-US" dirty="0" smtClean="0">
               <a:solidFill>
